--- a/Sources/Zac Cody TTT PosterWD (1).pptx
+++ b/Sources/Zac Cody TTT PosterWD (1).pptx
@@ -3732,7 +3732,7 @@
             </a:r>
             <a:r>
               <a:rPr lang="en-US" sz="4000" dirty="0"/>
-              <a:t> player. We also intend to implement a different AI algorithm, such as a learning algorithm, for the logic of the game.</a:t>
+              <a:t> player. We also intend to implement a different AI algorithm, such as a semi-supervised learning algorithm, for the logic of the game.</a:t>
             </a:r>
           </a:p>
           <a:p>
@@ -3743,7 +3743,11 @@
             <a:pPr algn="ctr"/>
             <a:r>
               <a:rPr lang="en-US" sz="4000" dirty="0"/>
-              <a:t>We create an environment for the interaction of human and robotic arm through the use of a camera and software algorithm.</a:t>
+              <a:t>We create an environment for the interaction of human and robotic arm through the use of a camera and </a:t>
+            </a:r>
+            <a:r>
+              <a:rPr lang="en-US" sz="4000"/>
+              <a:t>software algorithm.</a:t>
             </a:r>
             <a:endParaRPr lang="en-US" sz="5000" dirty="0"/>
           </a:p>

--- a/Sources/Zac Cody TTT PosterWD (1).pptx
+++ b/Sources/Zac Cody TTT PosterWD (1).pptx
@@ -3592,7 +3592,7 @@
         </p:nvSpPr>
         <p:spPr>
           <a:xfrm>
-            <a:off x="26150731" y="17904401"/>
+            <a:off x="26098424" y="13208639"/>
             <a:ext cx="9125775" cy="8863965"/>
           </a:xfrm>
           <a:prstGeom prst="rect">
@@ -3700,7 +3700,7 @@
         </p:nvSpPr>
         <p:spPr>
           <a:xfrm>
-            <a:off x="26061205" y="10221702"/>
+            <a:off x="25969454" y="4670966"/>
             <a:ext cx="9125756" cy="7632859"/>
           </a:xfrm>
           <a:prstGeom prst="rect">
@@ -3743,11 +3743,7 @@
             <a:pPr algn="ctr"/>
             <a:r>
               <a:rPr lang="en-US" sz="4000" dirty="0"/>
-              <a:t>We create an environment for the interaction of human and robotic arm through the use of a camera and </a:t>
-            </a:r>
-            <a:r>
-              <a:rPr lang="en-US" sz="4000"/>
-              <a:t>software algorithm.</a:t>
+              <a:t>We create an environment for the interaction of human and robotic arm through the use of a camera and software algorithm.</a:t>
             </a:r>
             <a:endParaRPr lang="en-US" sz="5000" dirty="0"/>
           </a:p>
@@ -3820,7 +3816,7 @@
         </p:nvSpPr>
         <p:spPr>
           <a:xfrm>
-            <a:off x="25728127" y="4627672"/>
+            <a:off x="14552048" y="14899620"/>
             <a:ext cx="9250342" cy="5170646"/>
           </a:xfrm>
           <a:prstGeom prst="rect">
@@ -3990,7 +3986,7 @@
         </p:blipFill>
         <p:spPr>
           <a:xfrm>
-            <a:off x="26929834" y="26818206"/>
+            <a:off x="27542517" y="23359950"/>
             <a:ext cx="2189461" cy="2189461"/>
           </a:xfrm>
           <a:prstGeom prst="rect">
@@ -4026,7 +4022,7 @@
         </p:blipFill>
         <p:spPr>
           <a:xfrm>
-            <a:off x="29284693" y="26579436"/>
+            <a:off x="31351873" y="23121181"/>
             <a:ext cx="2667000" cy="2667000"/>
           </a:xfrm>
           <a:prstGeom prst="rect">
@@ -4062,7 +4058,7 @@
         </p:blipFill>
         <p:spPr>
           <a:xfrm>
-            <a:off x="32117091" y="27400581"/>
+            <a:off x="28637248" y="26026950"/>
             <a:ext cx="4048125" cy="1079500"/>
           </a:xfrm>
           <a:prstGeom prst="rect">
@@ -4119,7 +4115,7 @@
         </p:nvSpPr>
         <p:spPr>
           <a:xfrm>
-            <a:off x="18288000" y="17834763"/>
+            <a:off x="18225716" y="20409971"/>
             <a:ext cx="2471981" cy="861774"/>
           </a:xfrm>
           <a:prstGeom prst="rect">
@@ -4142,10 +4138,10 @@
       </p:sp>
       <p:graphicFrame>
         <p:nvGraphicFramePr>
-          <p:cNvPr id="20" name="Table 19">
+          <p:cNvPr id="6" name="Table 5">
             <a:extLst>
               <a:ext uri="{FF2B5EF4-FFF2-40B4-BE49-F238E27FC236}">
-                <a16:creationId xmlns:a16="http://schemas.microsoft.com/office/drawing/2014/main" id="{4DD0B9E7-CCD3-4ED9-80E9-9F5F05A85E1E}"/>
+                <a16:creationId xmlns:a16="http://schemas.microsoft.com/office/drawing/2014/main" id="{4BAF8B2A-CD15-476A-87AC-5F61CA298826}"/>
               </a:ext>
             </a:extLst>
           </p:cNvPr>
@@ -4155,50 +4151,50 @@
           <p:nvPr>
             <p:extLst>
               <p:ext uri="{D42A27DB-BD31-4B8C-83A1-F6EECF244321}">
-                <p14:modId xmlns:p14="http://schemas.microsoft.com/office/powerpoint/2010/main" val="729496948"/>
+                <p14:modId xmlns:p14="http://schemas.microsoft.com/office/powerpoint/2010/main" val="1218742860"/>
               </p:ext>
             </p:extLst>
           </p:nvPr>
         </p:nvGraphicFramePr>
         <p:xfrm>
-          <a:off x="13577106" y="20183217"/>
-          <a:ext cx="11698652" cy="3008858"/>
+          <a:off x="13778020" y="21271746"/>
+          <a:ext cx="11083266" cy="3692211"/>
         </p:xfrm>
         <a:graphic>
           <a:graphicData uri="http://schemas.openxmlformats.org/drawingml/2006/table">
             <a:tbl>
               <a:tblPr/>
               <a:tblGrid>
-                <a:gridCol w="3009900">
+                <a:gridCol w="4052780">
                   <a:extLst>
                     <a:ext uri="{9D8B030D-6E8A-4147-A177-3AD203B41FA5}">
-                      <a16:colId xmlns:a16="http://schemas.microsoft.com/office/drawing/2014/main" val="2448842132"/>
+                      <a16:colId xmlns:a16="http://schemas.microsoft.com/office/drawing/2014/main" val="3642305310"/>
                     </a:ext>
                   </a:extLst>
                 </a:gridCol>
-                <a:gridCol w="2941948">
+                <a:gridCol w="2438400">
                   <a:extLst>
                     <a:ext uri="{9D8B030D-6E8A-4147-A177-3AD203B41FA5}">
-                      <a16:colId xmlns:a16="http://schemas.microsoft.com/office/drawing/2014/main" val="4195102037"/>
+                      <a16:colId xmlns:a16="http://schemas.microsoft.com/office/drawing/2014/main" val="3598603948"/>
                     </a:ext>
                   </a:extLst>
                 </a:gridCol>
-                <a:gridCol w="3243400">
+                <a:gridCol w="2540000">
                   <a:extLst>
                     <a:ext uri="{9D8B030D-6E8A-4147-A177-3AD203B41FA5}">
-                      <a16:colId xmlns:a16="http://schemas.microsoft.com/office/drawing/2014/main" val="874871709"/>
+                      <a16:colId xmlns:a16="http://schemas.microsoft.com/office/drawing/2014/main" val="2615306083"/>
                     </a:ext>
                   </a:extLst>
                 </a:gridCol>
-                <a:gridCol w="2503404">
+                <a:gridCol w="2052086">
                   <a:extLst>
                     <a:ext uri="{9D8B030D-6E8A-4147-A177-3AD203B41FA5}">
-                      <a16:colId xmlns:a16="http://schemas.microsoft.com/office/drawing/2014/main" val="3400877332"/>
+                      <a16:colId xmlns:a16="http://schemas.microsoft.com/office/drawing/2014/main" val="2498761256"/>
                     </a:ext>
                   </a:extLst>
                 </a:gridCol>
               </a:tblGrid>
-              <a:tr h="1120565">
+              <a:tr h="1570099">
                 <a:tc>
                   <a:txBody>
                     <a:bodyPr/>
@@ -4206,7 +4202,7 @@
                     <a:p>
                       <a:pPr algn="ctr" fontAlgn="b"/>
                       <a:r>
-                        <a:rPr lang="en-US" sz="4400" b="1" i="0" u="none" strike="noStrike" dirty="0">
+                        <a:rPr lang="en-US" sz="4800" b="1" i="0" u="none" strike="noStrike" dirty="0">
                           <a:solidFill>
                             <a:srgbClr val="FFFFFF"/>
                           </a:solidFill>
@@ -4220,7 +4216,7 @@
                   <a:tcPr marL="9525" marR="9525" marT="9525" marB="0" anchor="b">
                     <a:lnL w="6350" cap="flat" cmpd="sng" algn="ctr">
                       <a:solidFill>
-                        <a:srgbClr val="8EA9DB"/>
+                        <a:srgbClr val="C9C9C9"/>
                       </a:solidFill>
                       <a:prstDash val="solid"/>
                       <a:round/>
@@ -4232,7 +4228,7 @@
                     </a:lnR>
                     <a:lnT w="6350" cap="flat" cmpd="sng" algn="ctr">
                       <a:solidFill>
-                        <a:srgbClr val="8EA9DB"/>
+                        <a:srgbClr val="C9C9C9"/>
                       </a:solidFill>
                       <a:prstDash val="solid"/>
                       <a:round/>
@@ -4241,7 +4237,7 @@
                     </a:lnT>
                     <a:lnB w="6350" cap="flat" cmpd="sng" algn="ctr">
                       <a:solidFill>
-                        <a:srgbClr val="8EA9DB"/>
+                        <a:srgbClr val="C9C9C9"/>
                       </a:solidFill>
                       <a:prstDash val="solid"/>
                       <a:round/>
@@ -4249,7 +4245,7 @@
                       <a:tailEnd type="none" w="med" len="med"/>
                     </a:lnB>
                     <a:solidFill>
-                      <a:srgbClr val="4472C4"/>
+                      <a:srgbClr val="A5A5A5"/>
                     </a:solidFill>
                   </a:tcPr>
                 </a:tc>
@@ -4258,9 +4254,9 @@
                     <a:bodyPr/>
                     <a:lstStyle/>
                     <a:p>
-                      <a:pPr algn="ctr" fontAlgn="b"/>
+                      <a:pPr algn="l" fontAlgn="b"/>
                       <a:r>
-                        <a:rPr lang="en-US" sz="4400" b="1" i="0" u="none" strike="noStrike" dirty="0">
+                        <a:rPr lang="en-US" sz="4800" b="1" i="0" u="none" strike="noStrike">
                           <a:solidFill>
                             <a:srgbClr val="FFFFFF"/>
                           </a:solidFill>
@@ -4280,7 +4276,7 @@
                     </a:lnR>
                     <a:lnT w="6350" cap="flat" cmpd="sng" algn="ctr">
                       <a:solidFill>
-                        <a:srgbClr val="8EA9DB"/>
+                        <a:srgbClr val="C9C9C9"/>
                       </a:solidFill>
                       <a:prstDash val="solid"/>
                       <a:round/>
@@ -4289,7 +4285,7 @@
                     </a:lnT>
                     <a:lnB w="6350" cap="flat" cmpd="sng" algn="ctr">
                       <a:solidFill>
-                        <a:srgbClr val="8EA9DB"/>
+                        <a:srgbClr val="C9C9C9"/>
                       </a:solidFill>
                       <a:prstDash val="solid"/>
                       <a:round/>
@@ -4297,7 +4293,7 @@
                       <a:tailEnd type="none" w="med" len="med"/>
                     </a:lnB>
                     <a:solidFill>
-                      <a:srgbClr val="4472C4"/>
+                      <a:srgbClr val="A5A5A5"/>
                     </a:solidFill>
                   </a:tcPr>
                 </a:tc>
@@ -4306,9 +4302,9 @@
                     <a:bodyPr/>
                     <a:lstStyle/>
                     <a:p>
-                      <a:pPr algn="ctr" fontAlgn="b"/>
+                      <a:pPr algn="l" fontAlgn="b"/>
                       <a:r>
-                        <a:rPr lang="en-US" sz="4400" b="1" i="0" u="none" strike="noStrike" dirty="0">
+                        <a:rPr lang="en-US" sz="4800" b="1" i="0" u="none" strike="noStrike" dirty="0">
                           <a:solidFill>
                             <a:srgbClr val="FFFFFF"/>
                           </a:solidFill>
@@ -4328,7 +4324,7 @@
                     </a:lnR>
                     <a:lnT w="6350" cap="flat" cmpd="sng" algn="ctr">
                       <a:solidFill>
-                        <a:srgbClr val="8EA9DB"/>
+                        <a:srgbClr val="C9C9C9"/>
                       </a:solidFill>
                       <a:prstDash val="solid"/>
                       <a:round/>
@@ -4337,7 +4333,7 @@
                     </a:lnT>
                     <a:lnB w="6350" cap="flat" cmpd="sng" algn="ctr">
                       <a:solidFill>
-                        <a:srgbClr val="8EA9DB"/>
+                        <a:srgbClr val="C9C9C9"/>
                       </a:solidFill>
                       <a:prstDash val="solid"/>
                       <a:round/>
@@ -4345,7 +4341,7 @@
                       <a:tailEnd type="none" w="med" len="med"/>
                     </a:lnB>
                     <a:solidFill>
-                      <a:srgbClr val="4472C4"/>
+                      <a:srgbClr val="A5A5A5"/>
                     </a:solidFill>
                   </a:tcPr>
                 </a:tc>
@@ -4354,9 +4350,9 @@
                     <a:bodyPr/>
                     <a:lstStyle/>
                     <a:p>
-                      <a:pPr algn="ctr" fontAlgn="b"/>
+                      <a:pPr algn="l" fontAlgn="b"/>
                       <a:r>
-                        <a:rPr lang="en-US" sz="4400" b="1" i="0" u="none" strike="noStrike" dirty="0">
+                        <a:rPr lang="en-US" sz="4800" b="1" i="0" u="none" strike="noStrike" dirty="0">
                           <a:solidFill>
                             <a:srgbClr val="FFFFFF"/>
                           </a:solidFill>
@@ -4373,7 +4369,7 @@
                     </a:lnL>
                     <a:lnR w="6350" cap="flat" cmpd="sng" algn="ctr">
                       <a:solidFill>
-                        <a:srgbClr val="8EA9DB"/>
+                        <a:srgbClr val="C9C9C9"/>
                       </a:solidFill>
                       <a:prstDash val="solid"/>
                       <a:round/>
@@ -4382,7 +4378,7 @@
                     </a:lnR>
                     <a:lnT w="6350" cap="flat" cmpd="sng" algn="ctr">
                       <a:solidFill>
-                        <a:srgbClr val="8EA9DB"/>
+                        <a:srgbClr val="C9C9C9"/>
                       </a:solidFill>
                       <a:prstDash val="solid"/>
                       <a:round/>
@@ -4391,7 +4387,7 @@
                     </a:lnT>
                     <a:lnB w="6350" cap="flat" cmpd="sng" algn="ctr">
                       <a:solidFill>
-                        <a:srgbClr val="8EA9DB"/>
+                        <a:srgbClr val="C9C9C9"/>
                       </a:solidFill>
                       <a:prstDash val="solid"/>
                       <a:round/>
@@ -4399,17 +4395,17 @@
                       <a:tailEnd type="none" w="med" len="med"/>
                     </a:lnB>
                     <a:solidFill>
-                      <a:srgbClr val="4472C4"/>
+                      <a:srgbClr val="A5A5A5"/>
                     </a:solidFill>
                   </a:tcPr>
                 </a:tc>
                 <a:extLst>
                   <a:ext uri="{0D108BD9-81ED-4DB2-BD59-A6C34878D82A}">
-                    <a16:rowId xmlns:a16="http://schemas.microsoft.com/office/drawing/2014/main" val="1686763944"/>
+                    <a16:rowId xmlns:a16="http://schemas.microsoft.com/office/drawing/2014/main" val="3067419579"/>
                   </a:ext>
                 </a:extLst>
               </a:tr>
-              <a:tr h="945459">
+              <a:tr h="1061056">
                 <a:tc>
                   <a:txBody>
                     <a:bodyPr/>
@@ -4417,7 +4413,7 @@
                     <a:p>
                       <a:pPr algn="ctr" fontAlgn="b"/>
                       <a:r>
-                        <a:rPr lang="en-US" sz="4400" b="0" i="0" u="none" strike="noStrike" dirty="0">
+                        <a:rPr lang="en-US" sz="4800" b="0" i="0" u="none" strike="noStrike" dirty="0">
                           <a:solidFill>
                             <a:srgbClr val="000000"/>
                           </a:solidFill>
@@ -4431,25 +4427,19 @@
                   <a:tcPr marL="9525" marR="9525" marT="9525" marB="0" anchor="b">
                     <a:lnL w="6350" cap="flat" cmpd="sng" algn="ctr">
                       <a:solidFill>
-                        <a:srgbClr val="8EA9DB"/>
+                        <a:srgbClr val="C9C9C9"/>
                       </a:solidFill>
                       <a:prstDash val="solid"/>
                       <a:round/>
                       <a:headEnd type="none" w="med" len="med"/>
                       <a:tailEnd type="none" w="med" len="med"/>
                     </a:lnL>
-                    <a:lnR w="12700" cap="flat" cmpd="sng" algn="ctr">
-                      <a:solidFill>
-                        <a:schemeClr val="tx1"/>
-                      </a:solidFill>
-                      <a:prstDash val="solid"/>
-                      <a:round/>
-                      <a:headEnd type="none" w="med" len="med"/>
-                      <a:tailEnd type="none" w="med" len="med"/>
+                    <a:lnR>
+                      <a:noFill/>
                     </a:lnR>
                     <a:lnT w="6350" cap="flat" cmpd="sng" algn="ctr">
                       <a:solidFill>
-                        <a:srgbClr val="8EA9DB"/>
+                        <a:srgbClr val="C9C9C9"/>
                       </a:solidFill>
                       <a:prstDash val="solid"/>
                       <a:round/>
@@ -4458,7 +4448,7 @@
                     </a:lnT>
                     <a:lnB w="6350" cap="flat" cmpd="sng" algn="ctr">
                       <a:solidFill>
-                        <a:srgbClr val="8EA9DB"/>
+                        <a:srgbClr val="C9C9C9"/>
                       </a:solidFill>
                       <a:prstDash val="solid"/>
                       <a:round/>
@@ -4466,7 +4456,7 @@
                       <a:tailEnd type="none" w="med" len="med"/>
                     </a:lnB>
                     <a:solidFill>
-                      <a:srgbClr val="D9E1F2"/>
+                      <a:srgbClr val="EDEDED"/>
                     </a:solidFill>
                   </a:tcPr>
                 </a:tc>
@@ -4475,9 +4465,9 @@
                     <a:bodyPr/>
                     <a:lstStyle/>
                     <a:p>
-                      <a:pPr algn="ctr" fontAlgn="b"/>
+                      <a:pPr algn="r" fontAlgn="b"/>
                       <a:r>
-                        <a:rPr lang="en-US" sz="4400" b="0" i="0" u="none" strike="noStrike" dirty="0">
+                        <a:rPr lang="en-US" sz="4800" b="0" i="0" u="none" strike="noStrike">
                           <a:solidFill>
                             <a:srgbClr val="000000"/>
                           </a:solidFill>
@@ -4489,27 +4479,15 @@
                     </a:p>
                   </a:txBody>
                   <a:tcPr marL="9525" marR="9525" marT="9525" marB="0" anchor="b">
-                    <a:lnL w="12700" cap="flat" cmpd="sng" algn="ctr">
-                      <a:solidFill>
-                        <a:schemeClr val="tx1"/>
-                      </a:solidFill>
-                      <a:prstDash val="solid"/>
-                      <a:round/>
-                      <a:headEnd type="none" w="med" len="med"/>
-                      <a:tailEnd type="none" w="med" len="med"/>
+                    <a:lnL>
+                      <a:noFill/>
                     </a:lnL>
-                    <a:lnR w="12700" cap="flat" cmpd="sng" algn="ctr">
-                      <a:solidFill>
-                        <a:schemeClr val="tx1"/>
-                      </a:solidFill>
-                      <a:prstDash val="solid"/>
-                      <a:round/>
-                      <a:headEnd type="none" w="med" len="med"/>
-                      <a:tailEnd type="none" w="med" len="med"/>
+                    <a:lnR>
+                      <a:noFill/>
                     </a:lnR>
                     <a:lnT w="6350" cap="flat" cmpd="sng" algn="ctr">
                       <a:solidFill>
-                        <a:srgbClr val="8EA9DB"/>
+                        <a:srgbClr val="C9C9C9"/>
                       </a:solidFill>
                       <a:prstDash val="solid"/>
                       <a:round/>
@@ -4518,7 +4496,7 @@
                     </a:lnT>
                     <a:lnB w="6350" cap="flat" cmpd="sng" algn="ctr">
                       <a:solidFill>
-                        <a:srgbClr val="8EA9DB"/>
+                        <a:srgbClr val="C9C9C9"/>
                       </a:solidFill>
                       <a:prstDash val="solid"/>
                       <a:round/>
@@ -4526,7 +4504,7 @@
                       <a:tailEnd type="none" w="med" len="med"/>
                     </a:lnB>
                     <a:solidFill>
-                      <a:srgbClr val="D9E1F2"/>
+                      <a:srgbClr val="EDEDED"/>
                     </a:solidFill>
                   </a:tcPr>
                 </a:tc>
@@ -4535,9 +4513,9 @@
                     <a:bodyPr/>
                     <a:lstStyle/>
                     <a:p>
-                      <a:pPr algn="ctr" fontAlgn="b"/>
+                      <a:pPr algn="r" fontAlgn="b"/>
                       <a:r>
-                        <a:rPr lang="en-US" sz="4400" b="0" i="0" u="none" strike="noStrike" dirty="0">
+                        <a:rPr lang="en-US" sz="4800" b="0" i="0" u="none" strike="noStrike">
                           <a:solidFill>
                             <a:srgbClr val="000000"/>
                           </a:solidFill>
@@ -4549,27 +4527,15 @@
                     </a:p>
                   </a:txBody>
                   <a:tcPr marL="9525" marR="9525" marT="9525" marB="0" anchor="b">
-                    <a:lnL w="12700" cap="flat" cmpd="sng" algn="ctr">
-                      <a:solidFill>
-                        <a:schemeClr val="tx1"/>
-                      </a:solidFill>
-                      <a:prstDash val="solid"/>
-                      <a:round/>
-                      <a:headEnd type="none" w="med" len="med"/>
-                      <a:tailEnd type="none" w="med" len="med"/>
+                    <a:lnL>
+                      <a:noFill/>
                     </a:lnL>
-                    <a:lnR w="12700" cap="flat" cmpd="sng" algn="ctr">
-                      <a:solidFill>
-                        <a:schemeClr val="tx1"/>
-                      </a:solidFill>
-                      <a:prstDash val="solid"/>
-                      <a:round/>
-                      <a:headEnd type="none" w="med" len="med"/>
-                      <a:tailEnd type="none" w="med" len="med"/>
+                    <a:lnR>
+                      <a:noFill/>
                     </a:lnR>
                     <a:lnT w="6350" cap="flat" cmpd="sng" algn="ctr">
                       <a:solidFill>
-                        <a:srgbClr val="8EA9DB"/>
+                        <a:srgbClr val="C9C9C9"/>
                       </a:solidFill>
                       <a:prstDash val="solid"/>
                       <a:round/>
@@ -4578,7 +4544,7 @@
                     </a:lnT>
                     <a:lnB w="6350" cap="flat" cmpd="sng" algn="ctr">
                       <a:solidFill>
-                        <a:srgbClr val="8EA9DB"/>
+                        <a:srgbClr val="C9C9C9"/>
                       </a:solidFill>
                       <a:prstDash val="solid"/>
                       <a:round/>
@@ -4586,7 +4552,7 @@
                       <a:tailEnd type="none" w="med" len="med"/>
                     </a:lnB>
                     <a:solidFill>
-                      <a:srgbClr val="D9E1F2"/>
+                      <a:srgbClr val="EDEDED"/>
                     </a:solidFill>
                   </a:tcPr>
                 </a:tc>
@@ -4595,9 +4561,9 @@
                     <a:bodyPr/>
                     <a:lstStyle/>
                     <a:p>
-                      <a:pPr algn="ctr" fontAlgn="b"/>
+                      <a:pPr algn="r" fontAlgn="b"/>
                       <a:r>
-                        <a:rPr lang="en-US" sz="4400" b="0" i="0" u="none" strike="noStrike" dirty="0">
+                        <a:rPr lang="en-US" sz="4800" b="0" i="0" u="none" strike="noStrike">
                           <a:solidFill>
                             <a:srgbClr val="000000"/>
                           </a:solidFill>
@@ -4609,18 +4575,12 @@
                     </a:p>
                   </a:txBody>
                   <a:tcPr marL="9525" marR="9525" marT="9525" marB="0" anchor="b">
-                    <a:lnL w="12700" cap="flat" cmpd="sng" algn="ctr">
+                    <a:lnL>
+                      <a:noFill/>
+                    </a:lnL>
+                    <a:lnR w="6350" cap="flat" cmpd="sng" algn="ctr">
                       <a:solidFill>
-                        <a:schemeClr val="tx1"/>
-                      </a:solidFill>
-                      <a:prstDash val="solid"/>
-                      <a:round/>
-                      <a:headEnd type="none" w="med" len="med"/>
-                      <a:tailEnd type="none" w="med" len="med"/>
-                    </a:lnL>
-                    <a:lnR w="12700" cap="flat" cmpd="sng" algn="ctr">
-                      <a:solidFill>
-                        <a:schemeClr val="tx1"/>
+                        <a:srgbClr val="C9C9C9"/>
                       </a:solidFill>
                       <a:prstDash val="solid"/>
                       <a:round/>
@@ -4629,7 +4589,7 @@
                     </a:lnR>
                     <a:lnT w="6350" cap="flat" cmpd="sng" algn="ctr">
                       <a:solidFill>
-                        <a:srgbClr val="8EA9DB"/>
+                        <a:srgbClr val="C9C9C9"/>
                       </a:solidFill>
                       <a:prstDash val="solid"/>
                       <a:round/>
@@ -4638,7 +4598,7 @@
                     </a:lnT>
                     <a:lnB w="6350" cap="flat" cmpd="sng" algn="ctr">
                       <a:solidFill>
-                        <a:srgbClr val="8EA9DB"/>
+                        <a:srgbClr val="C9C9C9"/>
                       </a:solidFill>
                       <a:prstDash val="solid"/>
                       <a:round/>
@@ -4646,17 +4606,17 @@
                       <a:tailEnd type="none" w="med" len="med"/>
                     </a:lnB>
                     <a:solidFill>
-                      <a:srgbClr val="D9E1F2"/>
+                      <a:srgbClr val="EDEDED"/>
                     </a:solidFill>
                   </a:tcPr>
                 </a:tc>
                 <a:extLst>
                   <a:ext uri="{0D108BD9-81ED-4DB2-BD59-A6C34878D82A}">
-                    <a16:rowId xmlns:a16="http://schemas.microsoft.com/office/drawing/2014/main" val="558696191"/>
+                    <a16:rowId xmlns:a16="http://schemas.microsoft.com/office/drawing/2014/main" val="1220938468"/>
                   </a:ext>
                 </a:extLst>
               </a:tr>
-              <a:tr h="942834">
+              <a:tr h="1061056">
                 <a:tc>
                   <a:txBody>
                     <a:bodyPr/>
@@ -4664,7 +4624,7 @@
                     <a:p>
                       <a:pPr algn="ctr" fontAlgn="b"/>
                       <a:r>
-                        <a:rPr lang="en-US" sz="4400" b="0" i="0" u="none" strike="noStrike" dirty="0">
+                        <a:rPr lang="en-US" sz="4800" b="0" i="0" u="none" strike="noStrike" dirty="0">
                           <a:solidFill>
                             <a:srgbClr val="000000"/>
                           </a:solidFill>
@@ -4678,25 +4638,19 @@
                   <a:tcPr marL="9525" marR="9525" marT="9525" marB="0" anchor="b">
                     <a:lnL w="6350" cap="flat" cmpd="sng" algn="ctr">
                       <a:solidFill>
-                        <a:srgbClr val="8EA9DB"/>
+                        <a:srgbClr val="C9C9C9"/>
                       </a:solidFill>
                       <a:prstDash val="solid"/>
                       <a:round/>
                       <a:headEnd type="none" w="med" len="med"/>
                       <a:tailEnd type="none" w="med" len="med"/>
                     </a:lnL>
-                    <a:lnR w="12700" cap="flat" cmpd="sng" algn="ctr">
-                      <a:solidFill>
-                        <a:schemeClr val="tx1"/>
-                      </a:solidFill>
-                      <a:prstDash val="solid"/>
-                      <a:round/>
-                      <a:headEnd type="none" w="med" len="med"/>
-                      <a:tailEnd type="none" w="med" len="med"/>
+                    <a:lnR>
+                      <a:noFill/>
                     </a:lnR>
                     <a:lnT w="6350" cap="flat" cmpd="sng" algn="ctr">
                       <a:solidFill>
-                        <a:srgbClr val="8EA9DB"/>
+                        <a:srgbClr val="C9C9C9"/>
                       </a:solidFill>
                       <a:prstDash val="solid"/>
                       <a:round/>
@@ -4705,7 +4659,7 @@
                     </a:lnT>
                     <a:lnB w="6350" cap="flat" cmpd="sng" algn="ctr">
                       <a:solidFill>
-                        <a:srgbClr val="8EA9DB"/>
+                        <a:srgbClr val="C9C9C9"/>
                       </a:solidFill>
                       <a:prstDash val="solid"/>
                       <a:round/>
@@ -4719,9 +4673,9 @@
                     <a:bodyPr/>
                     <a:lstStyle/>
                     <a:p>
-                      <a:pPr algn="ctr" fontAlgn="b"/>
+                      <a:pPr algn="r" fontAlgn="b"/>
                       <a:r>
-                        <a:rPr lang="en-US" sz="4400" b="0" i="0" u="none" strike="noStrike" dirty="0">
+                        <a:rPr lang="en-US" sz="4800" b="0" i="0" u="none" strike="noStrike" dirty="0">
                           <a:solidFill>
                             <a:srgbClr val="000000"/>
                           </a:solidFill>
@@ -4733,27 +4687,15 @@
                     </a:p>
                   </a:txBody>
                   <a:tcPr marL="9525" marR="9525" marT="9525" marB="0" anchor="b">
-                    <a:lnL w="12700" cap="flat" cmpd="sng" algn="ctr">
-                      <a:solidFill>
-                        <a:schemeClr val="tx1"/>
-                      </a:solidFill>
-                      <a:prstDash val="solid"/>
-                      <a:round/>
-                      <a:headEnd type="none" w="med" len="med"/>
-                      <a:tailEnd type="none" w="med" len="med"/>
+                    <a:lnL>
+                      <a:noFill/>
                     </a:lnL>
-                    <a:lnR w="12700" cap="flat" cmpd="sng" algn="ctr">
-                      <a:solidFill>
-                        <a:schemeClr val="tx1"/>
-                      </a:solidFill>
-                      <a:prstDash val="solid"/>
-                      <a:round/>
-                      <a:headEnd type="none" w="med" len="med"/>
-                      <a:tailEnd type="none" w="med" len="med"/>
+                    <a:lnR>
+                      <a:noFill/>
                     </a:lnR>
                     <a:lnT w="6350" cap="flat" cmpd="sng" algn="ctr">
                       <a:solidFill>
-                        <a:srgbClr val="8EA9DB"/>
+                        <a:srgbClr val="C9C9C9"/>
                       </a:solidFill>
                       <a:prstDash val="solid"/>
                       <a:round/>
@@ -4762,7 +4704,7 @@
                     </a:lnT>
                     <a:lnB w="6350" cap="flat" cmpd="sng" algn="ctr">
                       <a:solidFill>
-                        <a:srgbClr val="8EA9DB"/>
+                        <a:srgbClr val="C9C9C9"/>
                       </a:solidFill>
                       <a:prstDash val="solid"/>
                       <a:round/>
@@ -4776,9 +4718,9 @@
                     <a:bodyPr/>
                     <a:lstStyle/>
                     <a:p>
-                      <a:pPr algn="ctr" fontAlgn="b"/>
+                      <a:pPr algn="r" fontAlgn="b"/>
                       <a:r>
-                        <a:rPr lang="en-US" sz="4400" b="0" i="0" u="none" strike="noStrike" dirty="0">
+                        <a:rPr lang="en-US" sz="4800" b="0" i="0" u="none" strike="noStrike">
                           <a:solidFill>
                             <a:srgbClr val="000000"/>
                           </a:solidFill>
@@ -4790,27 +4732,15 @@
                     </a:p>
                   </a:txBody>
                   <a:tcPr marL="9525" marR="9525" marT="9525" marB="0" anchor="b">
-                    <a:lnL w="12700" cap="flat" cmpd="sng" algn="ctr">
-                      <a:solidFill>
-                        <a:schemeClr val="tx1"/>
-                      </a:solidFill>
-                      <a:prstDash val="solid"/>
-                      <a:round/>
-                      <a:headEnd type="none" w="med" len="med"/>
-                      <a:tailEnd type="none" w="med" len="med"/>
+                    <a:lnL>
+                      <a:noFill/>
                     </a:lnL>
-                    <a:lnR w="12700" cap="flat" cmpd="sng" algn="ctr">
-                      <a:solidFill>
-                        <a:schemeClr val="tx1"/>
-                      </a:solidFill>
-                      <a:prstDash val="solid"/>
-                      <a:round/>
-                      <a:headEnd type="none" w="med" len="med"/>
-                      <a:tailEnd type="none" w="med" len="med"/>
+                    <a:lnR>
+                      <a:noFill/>
                     </a:lnR>
                     <a:lnT w="6350" cap="flat" cmpd="sng" algn="ctr">
                       <a:solidFill>
-                        <a:srgbClr val="8EA9DB"/>
+                        <a:srgbClr val="C9C9C9"/>
                       </a:solidFill>
                       <a:prstDash val="solid"/>
                       <a:round/>
@@ -4819,7 +4749,7 @@
                     </a:lnT>
                     <a:lnB w="6350" cap="flat" cmpd="sng" algn="ctr">
                       <a:solidFill>
-                        <a:srgbClr val="8EA9DB"/>
+                        <a:srgbClr val="C9C9C9"/>
                       </a:solidFill>
                       <a:prstDash val="solid"/>
                       <a:round/>
@@ -4833,9 +4763,9 @@
                     <a:bodyPr/>
                     <a:lstStyle/>
                     <a:p>
-                      <a:pPr algn="ctr" fontAlgn="b"/>
+                      <a:pPr algn="r" fontAlgn="b"/>
                       <a:r>
-                        <a:rPr lang="en-US" sz="4400" b="0" i="0" u="none" strike="noStrike" dirty="0">
+                        <a:rPr lang="en-US" sz="4800" b="0" i="0" u="none" strike="noStrike" dirty="0">
                           <a:solidFill>
                             <a:srgbClr val="000000"/>
                           </a:solidFill>
@@ -4847,18 +4777,12 @@
                     </a:p>
                   </a:txBody>
                   <a:tcPr marL="9525" marR="9525" marT="9525" marB="0" anchor="b">
-                    <a:lnL w="12700" cap="flat" cmpd="sng" algn="ctr">
+                    <a:lnL>
+                      <a:noFill/>
+                    </a:lnL>
+                    <a:lnR w="6350" cap="flat" cmpd="sng" algn="ctr">
                       <a:solidFill>
-                        <a:schemeClr val="tx1"/>
-                      </a:solidFill>
-                      <a:prstDash val="solid"/>
-                      <a:round/>
-                      <a:headEnd type="none" w="med" len="med"/>
-                      <a:tailEnd type="none" w="med" len="med"/>
-                    </a:lnL>
-                    <a:lnR w="12700" cap="flat" cmpd="sng" algn="ctr">
-                      <a:solidFill>
-                        <a:schemeClr val="tx1"/>
+                        <a:srgbClr val="C9C9C9"/>
                       </a:solidFill>
                       <a:prstDash val="solid"/>
                       <a:round/>
@@ -4867,7 +4791,7 @@
                     </a:lnR>
                     <a:lnT w="6350" cap="flat" cmpd="sng" algn="ctr">
                       <a:solidFill>
-                        <a:srgbClr val="8EA9DB"/>
+                        <a:srgbClr val="C9C9C9"/>
                       </a:solidFill>
                       <a:prstDash val="solid"/>
                       <a:round/>
@@ -4876,7 +4800,7 @@
                     </a:lnT>
                     <a:lnB w="6350" cap="flat" cmpd="sng" algn="ctr">
                       <a:solidFill>
-                        <a:srgbClr val="8EA9DB"/>
+                        <a:srgbClr val="C9C9C9"/>
                       </a:solidFill>
                       <a:prstDash val="solid"/>
                       <a:round/>
@@ -4887,7 +4811,7 @@
                 </a:tc>
                 <a:extLst>
                   <a:ext uri="{0D108BD9-81ED-4DB2-BD59-A6C34878D82A}">
-                    <a16:rowId xmlns:a16="http://schemas.microsoft.com/office/drawing/2014/main" val="1327504271"/>
+                    <a16:rowId xmlns:a16="http://schemas.microsoft.com/office/drawing/2014/main" val="2074490700"/>
                   </a:ext>
                 </a:extLst>
               </a:tr>
